--- a/libraria_overview.pptx
+++ b/libraria_overview.pptx
@@ -223,7 +223,7 @@
           <a:p>
             <a:fld id="{A0BCD082-09C0-4595-A2AE-AB9BFBBE1379}" type="datetimeFigureOut">
               <a:rPr kumimoji="1" lang="ja-JP" altLang="en-US" smtClean="0"/>
-              <a:t>2019/2/3</a:t>
+              <a:t>2019/2/12</a:t>
             </a:fld>
             <a:endParaRPr kumimoji="1" lang="ja-JP" altLang="en-US"/>
           </a:p>
@@ -676,7 +676,7 @@
           <a:p>
             <a:fld id="{FB02BAE8-54D9-4472-8B51-6E49180012F9}" type="datetime1">
               <a:rPr kumimoji="1" lang="ja-JP" altLang="en-US" smtClean="0"/>
-              <a:t>2019/2/3</a:t>
+              <a:t>2019/2/12</a:t>
             </a:fld>
             <a:endParaRPr kumimoji="1" lang="ja-JP" altLang="en-US"/>
           </a:p>
@@ -914,7 +914,7 @@
           <a:p>
             <a:fld id="{C003A763-CD5A-492B-ACF1-AF84F513329E}" type="datetime1">
               <a:rPr kumimoji="1" lang="ja-JP" altLang="en-US" smtClean="0"/>
-              <a:t>2019/2/3</a:t>
+              <a:t>2019/2/12</a:t>
             </a:fld>
             <a:endParaRPr kumimoji="1" lang="ja-JP" altLang="en-US"/>
           </a:p>
@@ -1196,7 +1196,7 @@
           <a:p>
             <a:fld id="{3B4862D0-5D92-429C-9444-82DB97674593}" type="datetime1">
               <a:rPr kumimoji="1" lang="ja-JP" altLang="en-US" smtClean="0"/>
-              <a:t>2019/2/3</a:t>
+              <a:t>2019/2/12</a:t>
             </a:fld>
             <a:endParaRPr kumimoji="1" lang="ja-JP" altLang="en-US"/>
           </a:p>
@@ -1337,7 +1337,7 @@
           <a:p>
             <a:fld id="{FFBAF562-7B68-44CA-B175-6717E07BF45E}" type="datetime1">
               <a:rPr kumimoji="1" lang="ja-JP" altLang="en-US" smtClean="0"/>
-              <a:t>2019/2/3</a:t>
+              <a:t>2019/2/12</a:t>
             </a:fld>
             <a:endParaRPr kumimoji="1" lang="ja-JP" altLang="en-US"/>
           </a:p>
@@ -1450,7 +1450,7 @@
           <a:p>
             <a:fld id="{1E6005C1-29B0-45B2-9C5F-CA0191880C57}" type="datetime1">
               <a:rPr kumimoji="1" lang="ja-JP" altLang="en-US" smtClean="0"/>
-              <a:t>2019/2/3</a:t>
+              <a:t>2019/2/12</a:t>
             </a:fld>
             <a:endParaRPr kumimoji="1" lang="ja-JP" altLang="en-US"/>
           </a:p>
@@ -1784,7 +1784,7 @@
           <a:p>
             <a:fld id="{2AA0205D-A92C-42A3-B7A8-240975D58DA3}" type="datetime1">
               <a:rPr kumimoji="1" lang="ja-JP" altLang="en-US" smtClean="0"/>
-              <a:t>2019/2/3</a:t>
+              <a:t>2019/2/12</a:t>
             </a:fld>
             <a:endParaRPr kumimoji="1" lang="ja-JP" altLang="en-US"/>
           </a:p>
@@ -2333,13 +2333,13 @@
           <a:p>
             <a:r>
               <a:rPr lang="en-US" altLang="ja-JP" dirty="0"/>
-              <a:t>2019/02/03</a:t>
+              <a:t>2019/02/12</a:t>
             </a:r>
           </a:p>
           <a:p>
             <a:r>
               <a:rPr lang="en-US" altLang="ja-JP" dirty="0"/>
-              <a:t>Ver 0.1.1</a:t>
+              <a:t>Ver 0.1.2</a:t>
             </a:r>
           </a:p>
         </p:txBody>
@@ -2530,7 +2530,7 @@
         </p:blipFill>
         <p:spPr>
           <a:xfrm>
-            <a:off x="3960166" y="3601210"/>
+            <a:off x="3960166" y="3644755"/>
             <a:ext cx="504000" cy="505977"/>
           </a:xfrm>
           <a:prstGeom prst="rect">
@@ -2573,7 +2573,7 @@
         </p:blipFill>
         <p:spPr>
           <a:xfrm>
-            <a:off x="3979792" y="4121736"/>
+            <a:off x="3979792" y="4165281"/>
             <a:ext cx="504000" cy="505977"/>
           </a:xfrm>
           <a:prstGeom prst="rect">
@@ -2616,7 +2616,7 @@
         </p:blipFill>
         <p:spPr>
           <a:xfrm>
-            <a:off x="4516517" y="3601210"/>
+            <a:off x="4516517" y="3644755"/>
             <a:ext cx="504000" cy="505977"/>
           </a:xfrm>
           <a:prstGeom prst="rect">
@@ -2652,7 +2652,7 @@
         </p:blipFill>
         <p:spPr>
           <a:xfrm>
-            <a:off x="3244946" y="4121736"/>
+            <a:off x="3244946" y="4165281"/>
             <a:ext cx="559047" cy="419285"/>
           </a:xfrm>
           <a:prstGeom prst="rect">
@@ -2674,7 +2674,7 @@
         </p:nvSpPr>
         <p:spPr>
           <a:xfrm>
-            <a:off x="3126625" y="3325535"/>
+            <a:off x="3126625" y="3369080"/>
             <a:ext cx="2018220" cy="1336772"/>
           </a:xfrm>
           <a:prstGeom prst="rect">
@@ -2931,7 +2931,7 @@
         </p:blipFill>
         <p:spPr>
           <a:xfrm>
-            <a:off x="3235278" y="3595815"/>
+            <a:off x="3235278" y="3639360"/>
             <a:ext cx="559047" cy="419285"/>
           </a:xfrm>
           <a:prstGeom prst="rect">
@@ -3892,8 +3892,8 @@
         </p:nvSpPr>
         <p:spPr>
           <a:xfrm>
-            <a:off x="4935113" y="2747735"/>
-            <a:ext cx="1928943" cy="665588"/>
+            <a:off x="4396912" y="2747735"/>
+            <a:ext cx="2901669" cy="665588"/>
           </a:xfrm>
           <a:prstGeom prst="wedgeRectCallout">
             <a:avLst>
@@ -3951,12 +3951,56 @@
                 <a:latin typeface="メイリオ" panose="020B0604030504040204" pitchFamily="50" charset="-128"/>
                 <a:ea typeface="メイリオ" panose="020B0604030504040204" pitchFamily="50" charset="-128"/>
               </a:rPr>
-              <a:t>を作成・更新する</a:t>
-            </a:r>
-            <a:endParaRPr kumimoji="1" lang="ja-JP" altLang="en-US" sz="1200" dirty="0">
+              <a:t>を作成・更新する。</a:t>
+            </a:r>
+            <a:endParaRPr lang="en-US" altLang="ja-JP" sz="1200" dirty="0">
               <a:latin typeface="メイリオ" panose="020B0604030504040204" pitchFamily="50" charset="-128"/>
               <a:ea typeface="メイリオ" panose="020B0604030504040204" pitchFamily="50" charset="-128"/>
             </a:endParaRPr>
+          </a:p>
+          <a:p>
+            <a:r>
+              <a:rPr kumimoji="1" lang="ja-JP" altLang="en-US" sz="1200" dirty="0">
+                <a:latin typeface="メイリオ" panose="020B0604030504040204" pitchFamily="50" charset="-128"/>
+                <a:ea typeface="メイリオ" panose="020B0604030504040204" pitchFamily="50" charset="-128"/>
+              </a:rPr>
+              <a:t>蔵書</a:t>
+            </a:r>
+            <a:r>
+              <a:rPr kumimoji="1" lang="en-US" altLang="ja-JP" sz="1200" dirty="0">
+                <a:latin typeface="メイリオ" panose="020B0604030504040204" pitchFamily="50" charset="-128"/>
+                <a:ea typeface="メイリオ" panose="020B0604030504040204" pitchFamily="50" charset="-128"/>
+              </a:rPr>
+              <a:t>DB</a:t>
+            </a:r>
+            <a:r>
+              <a:rPr kumimoji="1" lang="ja-JP" altLang="en-US" sz="1200" dirty="0">
+                <a:latin typeface="メイリオ" panose="020B0604030504040204" pitchFamily="50" charset="-128"/>
+                <a:ea typeface="メイリオ" panose="020B0604030504040204" pitchFamily="50" charset="-128"/>
+              </a:rPr>
+              <a:t>の追加・修正</a:t>
+            </a:r>
+            <a:r>
+              <a:rPr kumimoji="1" lang="en-US" altLang="ja-JP" sz="1200" dirty="0">
+                <a:latin typeface="メイリオ" panose="020B0604030504040204" pitchFamily="50" charset="-128"/>
+                <a:ea typeface="メイリオ" panose="020B0604030504040204" pitchFamily="50" charset="-128"/>
+              </a:rPr>
+              <a:t>UI</a:t>
+            </a:r>
+            <a:r>
+              <a:rPr kumimoji="1" lang="ja-JP" altLang="en-US" sz="1200" dirty="0" err="1">
+                <a:latin typeface="メイリオ" panose="020B0604030504040204" pitchFamily="50" charset="-128"/>
+                <a:ea typeface="メイリオ" panose="020B0604030504040204" pitchFamily="50" charset="-128"/>
+              </a:rPr>
+              <a:t>を提</a:t>
+            </a:r>
+            <a:r>
+              <a:rPr kumimoji="1" lang="ja-JP" altLang="en-US" sz="1200" dirty="0">
+                <a:latin typeface="メイリオ" panose="020B0604030504040204" pitchFamily="50" charset="-128"/>
+                <a:ea typeface="メイリオ" panose="020B0604030504040204" pitchFamily="50" charset="-128"/>
+              </a:rPr>
+              <a:t>供する。</a:t>
+            </a:r>
           </a:p>
         </p:txBody>
       </p:sp>
@@ -4191,7 +4235,7 @@
         </p:nvSpPr>
         <p:spPr>
           <a:xfrm>
-            <a:off x="3293647" y="3364539"/>
+            <a:off x="3293647" y="3408084"/>
             <a:ext cx="1723549" cy="246221"/>
           </a:xfrm>
           <a:prstGeom prst="rect">
@@ -4660,13 +4704,12 @@
           </p:cNvPr>
           <p:cNvCxnSpPr>
             <a:cxnSpLocks/>
-            <a:endCxn id="17" idx="0"/>
           </p:cNvCxnSpPr>
           <p:nvPr/>
         </p:nvCxnSpPr>
         <p:spPr>
           <a:xfrm>
-            <a:off x="4737186" y="4662307"/>
+            <a:off x="4737186" y="4705852"/>
             <a:ext cx="0" cy="230228"/>
           </a:xfrm>
           <a:prstGeom prst="straightConnector1">
@@ -5900,7 +5943,7 @@
         </p:blipFill>
         <p:spPr>
           <a:xfrm>
-            <a:off x="4515826" y="4121737"/>
+            <a:off x="4515826" y="4165282"/>
             <a:ext cx="504000" cy="505976"/>
           </a:xfrm>
           <a:prstGeom prst="rect">
@@ -6261,6 +6304,16 @@
             <a:r>
               <a:rPr lang="en-US" altLang="ja-JP" dirty="0"/>
               <a:t>)</a:t>
+            </a:r>
+          </a:p>
+          <a:p>
+            <a:r>
+              <a:rPr lang="ja-JP" altLang="en-US" dirty="0"/>
+              <a:t>テスト</a:t>
+            </a:r>
+            <a:r>
+              <a:rPr lang="en-US" altLang="ja-JP" dirty="0"/>
+              <a:t>: Travis CI</a:t>
             </a:r>
           </a:p>
           <a:p>
